--- a/CASE STUDY- WADA PAV.pptx
+++ b/CASE STUDY- WADA PAV.pptx
@@ -343,7 +343,7 @@
           <a:p>
             <a:fld id="{72B93E78-9862-4F1E-9500-3E75EF36B57D}" type="datetimeFigureOut">
               <a:rPr lang="en-IN" smtClean="0"/>
-              <a:t>11-10-2022</a:t>
+              <a:t>14-11-2022</a:t>
             </a:fld>
             <a:endParaRPr lang="en-IN"/>
           </a:p>
@@ -551,7 +551,7 @@
           <a:p>
             <a:fld id="{72B93E78-9862-4F1E-9500-3E75EF36B57D}" type="datetimeFigureOut">
               <a:rPr lang="en-IN" smtClean="0"/>
-              <a:t>11-10-2022</a:t>
+              <a:t>14-11-2022</a:t>
             </a:fld>
             <a:endParaRPr lang="en-IN"/>
           </a:p>
@@ -807,7 +807,7 @@
           <a:p>
             <a:fld id="{72B93E78-9862-4F1E-9500-3E75EF36B57D}" type="datetimeFigureOut">
               <a:rPr lang="en-IN" smtClean="0"/>
-              <a:t>11-10-2022</a:t>
+              <a:t>14-11-2022</a:t>
             </a:fld>
             <a:endParaRPr lang="en-IN"/>
           </a:p>
@@ -981,7 +981,7 @@
           <a:p>
             <a:fld id="{72B93E78-9862-4F1E-9500-3E75EF36B57D}" type="datetimeFigureOut">
               <a:rPr lang="en-IN" smtClean="0"/>
-              <a:t>11-10-2022</a:t>
+              <a:t>14-11-2022</a:t>
             </a:fld>
             <a:endParaRPr lang="en-IN"/>
           </a:p>
@@ -1324,7 +1324,7 @@
           <a:p>
             <a:fld id="{72B93E78-9862-4F1E-9500-3E75EF36B57D}" type="datetimeFigureOut">
               <a:rPr lang="en-IN" smtClean="0"/>
-              <a:t>11-10-2022</a:t>
+              <a:t>14-11-2022</a:t>
             </a:fld>
             <a:endParaRPr lang="en-IN"/>
           </a:p>
@@ -1599,7 +1599,7 @@
           <a:p>
             <a:fld id="{72B93E78-9862-4F1E-9500-3E75EF36B57D}" type="datetimeFigureOut">
               <a:rPr lang="en-IN" smtClean="0"/>
-              <a:t>11-10-2022</a:t>
+              <a:t>14-11-2022</a:t>
             </a:fld>
             <a:endParaRPr lang="en-IN"/>
           </a:p>
@@ -1978,7 +1978,7 @@
           <a:p>
             <a:fld id="{72B93E78-9862-4F1E-9500-3E75EF36B57D}" type="datetimeFigureOut">
               <a:rPr lang="en-IN" smtClean="0"/>
-              <a:t>11-10-2022</a:t>
+              <a:t>14-11-2022</a:t>
             </a:fld>
             <a:endParaRPr lang="en-IN"/>
           </a:p>
@@ -2096,7 +2096,7 @@
           <a:p>
             <a:fld id="{72B93E78-9862-4F1E-9500-3E75EF36B57D}" type="datetimeFigureOut">
               <a:rPr lang="en-IN" smtClean="0"/>
-              <a:t>11-10-2022</a:t>
+              <a:t>14-11-2022</a:t>
             </a:fld>
             <a:endParaRPr lang="en-IN"/>
           </a:p>
@@ -2267,7 +2267,7 @@
           <a:p>
             <a:fld id="{72B93E78-9862-4F1E-9500-3E75EF36B57D}" type="datetimeFigureOut">
               <a:rPr lang="en-IN" smtClean="0"/>
-              <a:t>11-10-2022</a:t>
+              <a:t>14-11-2022</a:t>
             </a:fld>
             <a:endParaRPr lang="en-IN"/>
           </a:p>
@@ -2621,7 +2621,7 @@
           <a:p>
             <a:fld id="{72B93E78-9862-4F1E-9500-3E75EF36B57D}" type="datetimeFigureOut">
               <a:rPr lang="en-IN" smtClean="0"/>
-              <a:t>11-10-2022</a:t>
+              <a:t>14-11-2022</a:t>
             </a:fld>
             <a:endParaRPr lang="en-IN"/>
           </a:p>
@@ -3003,7 +3003,7 @@
           <a:p>
             <a:fld id="{72B93E78-9862-4F1E-9500-3E75EF36B57D}" type="datetimeFigureOut">
               <a:rPr lang="en-IN" smtClean="0"/>
-              <a:t>11-10-2022</a:t>
+              <a:t>14-11-2022</a:t>
             </a:fld>
             <a:endParaRPr lang="en-IN"/>
           </a:p>
@@ -3290,7 +3290,7 @@
           <a:p>
             <a:fld id="{72B93E78-9862-4F1E-9500-3E75EF36B57D}" type="datetimeFigureOut">
               <a:rPr lang="en-IN" smtClean="0"/>
-              <a:t>11-10-2022</a:t>
+              <a:t>14-11-2022</a:t>
             </a:fld>
             <a:endParaRPr lang="en-IN"/>
           </a:p>
@@ -3824,7 +3824,12 @@
             <p:ph type="ctrTitle"/>
           </p:nvPr>
         </p:nvSpPr>
-        <p:spPr/>
+        <p:spPr>
+          <a:xfrm>
+            <a:off x="1097279" y="758952"/>
+            <a:ext cx="10061171" cy="2794145"/>
+          </a:xfrm>
+        </p:spPr>
         <p:txBody>
           <a:bodyPr/>
           <a:lstStyle/>
@@ -3880,12 +3885,13 @@
             </a:r>
             <a:r>
               <a:rPr lang="en-IN" dirty="0" err="1" smtClean="0"/>
-              <a:t>Varshini</a:t>
+              <a:t>Varshini.CH.P.D.R</a:t>
             </a:r>
             <a:r>
               <a:rPr lang="en-IN" dirty="0" smtClean="0"/>
-              <a:t>. CH.P.D.R </a:t>
-            </a:r>
+              <a:t> </a:t>
+            </a:r>
+            <a:endParaRPr lang="en-IN" dirty="0" smtClean="0"/>
           </a:p>
           <a:p>
             <a:endParaRPr lang="en-IN" dirty="0"/>
@@ -3941,7 +3947,11 @@
           <a:p>
             <a:r>
               <a:rPr lang="en-IN" sz="2800" dirty="0" smtClean="0"/>
-              <a:t>INTRODUCTION -  </a:t>
+              <a:t>BUSINESS PROBLEM: </a:t>
+            </a:r>
+            <a:r>
+              <a:rPr lang="en-IN" sz="2800" dirty="0" smtClean="0"/>
+              <a:t/>
             </a:r>
             <a:br>
               <a:rPr lang="en-IN" sz="2800" dirty="0" smtClean="0"/>
@@ -3991,8 +4001,8 @@
         </p:nvSpPr>
         <p:spPr>
           <a:xfrm>
-            <a:off x="966651" y="2312126"/>
-            <a:ext cx="7184572" cy="3693319"/>
+            <a:off x="1188719" y="1867990"/>
+            <a:ext cx="6962503" cy="3693319"/>
           </a:xfrm>
           <a:prstGeom prst="rect">
             <a:avLst/>
@@ -4062,27 +4072,7 @@
                   </a:schemeClr>
                 </a:solidFill>
               </a:rPr>
-              <a:t>Name </a:t>
-            </a:r>
-            <a:r>
-              <a:rPr lang="en-IN" b="1" dirty="0" smtClean="0">
-                <a:solidFill>
-                  <a:schemeClr val="accent6">
-                    <a:lumMod val="75000"/>
-                  </a:schemeClr>
-                </a:solidFill>
-              </a:rPr>
-              <a:t>chosen </a:t>
-            </a:r>
-            <a:r>
-              <a:rPr lang="en-IN" b="1" dirty="0" smtClean="0">
-                <a:solidFill>
-                  <a:schemeClr val="accent6">
-                    <a:lumMod val="75000"/>
-                  </a:schemeClr>
-                </a:solidFill>
-              </a:rPr>
-              <a:t>: Royal wada Pav centre. </a:t>
+              <a:t>Name chosen : Royal wada Pav centre. </a:t>
             </a:r>
           </a:p>
           <a:p>
@@ -4150,25 +4140,18 @@
               <a:t>Based on market research done. Following decisions are taken and offers are </a:t>
             </a:r>
             <a:r>
-              <a:rPr lang="en-IN" b="1" dirty="0" err="1" smtClean="0"/>
-              <a:t>implimented</a:t>
-            </a:r>
-            <a:r>
               <a:rPr lang="en-IN" b="1" dirty="0" smtClean="0"/>
-              <a:t>.</a:t>
-            </a:r>
-          </a:p>
-          <a:p>
+              <a:t>implemented.</a:t>
+            </a:r>
             <a:endParaRPr lang="en-IN" b="1" dirty="0" smtClean="0"/>
           </a:p>
           <a:p>
+            <a:endParaRPr lang="en-IN" b="1" dirty="0" smtClean="0"/>
+          </a:p>
+          <a:p>
             <a:r>
               <a:rPr lang="en-IN" b="1" dirty="0" smtClean="0"/>
-              <a:t>WHAT IS THE PRICE OF EACH </a:t>
-            </a:r>
-            <a:r>
-              <a:rPr lang="en-IN" b="1" dirty="0" smtClean="0"/>
-              <a:t>PAV-</a:t>
+              <a:t>WHAT IS THE PRICE OF EACH PAV-</a:t>
             </a:r>
           </a:p>
           <a:p>
@@ -4185,15 +4168,7 @@
                   <a:srgbClr val="C00000"/>
                 </a:solidFill>
               </a:rPr>
-              <a:t>**Prices </a:t>
-            </a:r>
-            <a:r>
-              <a:rPr lang="en-IN" dirty="0" smtClean="0">
-                <a:solidFill>
-                  <a:srgbClr val="C00000"/>
-                </a:solidFill>
-              </a:rPr>
-              <a:t> of Royal Wada </a:t>
+              <a:t>**Prices  of Royal Wada </a:t>
             </a:r>
             <a:r>
               <a:rPr lang="en-IN" dirty="0" err="1" smtClean="0">
@@ -4209,23 +4184,7 @@
                   <a:srgbClr val="C00000"/>
                 </a:solidFill>
               </a:rPr>
-              <a:t> centre are </a:t>
-            </a:r>
-            <a:r>
-              <a:rPr lang="en-IN" dirty="0" smtClean="0">
-                <a:solidFill>
-                  <a:srgbClr val="C00000"/>
-                </a:solidFill>
-              </a:rPr>
-              <a:t>set low when compared to competitors price. **(taken average price of nearby </a:t>
-            </a:r>
-            <a:r>
-              <a:rPr lang="en-IN" dirty="0" smtClean="0">
-                <a:solidFill>
-                  <a:srgbClr val="C00000"/>
-                </a:solidFill>
-              </a:rPr>
-              <a:t>competitors and rounded off) </a:t>
+              <a:t> centre are set low when compared to competitors price. **(taken average price of nearby competitors and rounded off) </a:t>
             </a:r>
             <a:endParaRPr lang="en-IN" dirty="0">
               <a:solidFill>
@@ -4236,11 +4195,7 @@
           <a:p>
             <a:r>
               <a:rPr lang="en-IN" b="1" dirty="0" smtClean="0"/>
-              <a:t>HOW </a:t>
-            </a:r>
-            <a:r>
-              <a:rPr lang="en-IN" b="1" dirty="0" smtClean="0"/>
-              <a:t>WILL HE DIFFERENTIATE FROM OTHER COMPETITORS- </a:t>
+              <a:t>HOW WILL HE DIFFERENTIATE FROM OTHER COMPETITORS- </a:t>
             </a:r>
           </a:p>
           <a:p>
@@ -4265,27 +4220,52 @@
           </a:p>
           <a:p>
             <a:r>
+              <a:rPr lang="en-IN" dirty="0" smtClean="0"/>
+              <a:t>**Unique type of special wada pav served on Sundays** </a:t>
+            </a:r>
+            <a:r>
               <a:rPr lang="en-IN" dirty="0" smtClean="0">
                 <a:solidFill>
-                  <a:srgbClr val="00B050"/>
+                  <a:srgbClr val="FF0000"/>
                 </a:solidFill>
               </a:rPr>
-              <a:t>**</a:t>
+              <a:t>. </a:t>
             </a:r>
             <a:r>
               <a:rPr lang="en-IN" dirty="0" smtClean="0">
                 <a:solidFill>
-                  <a:srgbClr val="00B050"/>
+                  <a:srgbClr val="FF0000"/>
                 </a:solidFill>
               </a:rPr>
-              <a:t>Unique type of special wada pav served on Sundays** . This is not followed in other shops- they just follow regular menu all days. </a:t>
-            </a:r>
-          </a:p>
-          <a:p>
+              <a:t>(This </a:t>
+            </a:r>
             <a:r>
               <a:rPr lang="en-IN" dirty="0" smtClean="0">
                 <a:solidFill>
-                  <a:srgbClr val="00B050"/>
+                  <a:srgbClr val="FF0000"/>
+                </a:solidFill>
+              </a:rPr>
+              <a:t>is not followed in other shops- they just follow regular menu all days. </a:t>
+            </a:r>
+            <a:r>
+              <a:rPr lang="en-IN" dirty="0" smtClean="0">
+                <a:solidFill>
+                  <a:srgbClr val="FF0000"/>
+                </a:solidFill>
+              </a:rPr>
+              <a:t>)</a:t>
+            </a:r>
+            <a:endParaRPr lang="en-IN" dirty="0" smtClean="0">
+              <a:solidFill>
+                <a:srgbClr val="FF0000"/>
+              </a:solidFill>
+            </a:endParaRPr>
+          </a:p>
+          <a:p>
+            <a:r>
+              <a:rPr lang="en-IN" dirty="0" smtClean="0">
+                <a:solidFill>
+                  <a:srgbClr val="FF0000"/>
                 </a:solidFill>
               </a:rPr>
               <a:t>For example -  Corn wada pav, Maggi wada pav , Pizza wada pav , </a:t>
@@ -4293,7 +4273,7 @@
             <a:r>
               <a:rPr lang="en-IN" dirty="0" err="1" smtClean="0">
                 <a:solidFill>
-                  <a:srgbClr val="00B050"/>
+                  <a:srgbClr val="FF0000"/>
                 </a:solidFill>
               </a:rPr>
               <a:t>Schezwan</a:t>
@@ -4301,7 +4281,7 @@
             <a:r>
               <a:rPr lang="en-IN" dirty="0" smtClean="0">
                 <a:solidFill>
-                  <a:srgbClr val="00B050"/>
+                  <a:srgbClr val="FF0000"/>
                 </a:solidFill>
               </a:rPr>
               <a:t> </a:t>
@@ -4309,7 +4289,7 @@
             <a:r>
               <a:rPr lang="en-IN" dirty="0" err="1" smtClean="0">
                 <a:solidFill>
-                  <a:srgbClr val="00B050"/>
+                  <a:srgbClr val="FF0000"/>
                 </a:solidFill>
               </a:rPr>
               <a:t>wada</a:t>
@@ -4317,7 +4297,7 @@
             <a:r>
               <a:rPr lang="en-IN" dirty="0" smtClean="0">
                 <a:solidFill>
-                  <a:srgbClr val="00B050"/>
+                  <a:srgbClr val="FF0000"/>
                 </a:solidFill>
               </a:rPr>
               <a:t> </a:t>
@@ -4325,7 +4305,7 @@
             <a:r>
               <a:rPr lang="en-IN" dirty="0" err="1" smtClean="0">
                 <a:solidFill>
-                  <a:srgbClr val="00B050"/>
+                  <a:srgbClr val="FF0000"/>
                 </a:solidFill>
               </a:rPr>
               <a:t>pav</a:t>
@@ -4333,7 +4313,7 @@
             <a:r>
               <a:rPr lang="en-IN" dirty="0">
                 <a:solidFill>
-                  <a:srgbClr val="00B050"/>
+                  <a:srgbClr val="FF0000"/>
                 </a:solidFill>
               </a:rPr>
               <a:t> </a:t>
@@ -4341,7 +4321,7 @@
             <a:r>
               <a:rPr lang="en-IN" dirty="0" smtClean="0">
                 <a:solidFill>
-                  <a:srgbClr val="00B050"/>
+                  <a:srgbClr val="FF0000"/>
                 </a:solidFill>
               </a:rPr>
               <a:t>is prepared and sold on </a:t>
@@ -4349,7 +4329,7 @@
             <a:r>
               <a:rPr lang="en-IN" dirty="0" err="1" smtClean="0">
                 <a:solidFill>
-                  <a:srgbClr val="00B050"/>
+                  <a:srgbClr val="FF0000"/>
                 </a:solidFill>
               </a:rPr>
               <a:t>sundays</a:t>
@@ -4357,7 +4337,7 @@
             <a:r>
               <a:rPr lang="en-IN" dirty="0" smtClean="0">
                 <a:solidFill>
-                  <a:srgbClr val="00B050"/>
+                  <a:srgbClr val="FF0000"/>
                 </a:solidFill>
               </a:rPr>
               <a:t>. </a:t>
@@ -4367,7 +4347,7 @@
             <a:r>
               <a:rPr lang="en-IN" dirty="0" smtClean="0">
                 <a:solidFill>
-                  <a:srgbClr val="00B050"/>
+                  <a:srgbClr val="FF0000"/>
                 </a:solidFill>
               </a:rPr>
               <a:t>**Offers  on  big orders** </a:t>
@@ -4377,7 +4357,7 @@
             <a:r>
               <a:rPr lang="en-IN" dirty="0" smtClean="0">
                 <a:solidFill>
-                  <a:srgbClr val="00B050"/>
+                  <a:srgbClr val="FF0000"/>
                 </a:solidFill>
               </a:rPr>
               <a:t>Rs.5 off on order of  any two types of </a:t>
@@ -4385,7 +4365,7 @@
             <a:r>
               <a:rPr lang="en-IN" dirty="0" err="1" smtClean="0">
                 <a:solidFill>
-                  <a:srgbClr val="00B050"/>
+                  <a:srgbClr val="FF0000"/>
                 </a:solidFill>
               </a:rPr>
               <a:t>pav</a:t>
@@ -4393,7 +4373,7 @@
             <a:r>
               <a:rPr lang="en-IN" dirty="0" smtClean="0">
                 <a:solidFill>
-                  <a:srgbClr val="00B050"/>
+                  <a:srgbClr val="FF0000"/>
                 </a:solidFill>
               </a:rPr>
               <a:t>. </a:t>
@@ -4403,7 +4383,7 @@
             <a:r>
               <a:rPr lang="en-IN" dirty="0" smtClean="0">
                 <a:solidFill>
-                  <a:srgbClr val="00B050"/>
+                  <a:srgbClr val="FF0000"/>
                 </a:solidFill>
               </a:rPr>
               <a:t>Rs.10 off on order of any 3 types of </a:t>
@@ -4411,7 +4391,7 @@
             <a:r>
               <a:rPr lang="en-IN" dirty="0" err="1" smtClean="0">
                 <a:solidFill>
-                  <a:srgbClr val="00B050"/>
+                  <a:srgbClr val="FF0000"/>
                 </a:solidFill>
               </a:rPr>
               <a:t>pav</a:t>
@@ -4419,7 +4399,7 @@
             <a:r>
               <a:rPr lang="en-IN" dirty="0" smtClean="0">
                 <a:solidFill>
-                  <a:srgbClr val="00B050"/>
+                  <a:srgbClr val="FF0000"/>
                 </a:solidFill>
               </a:rPr>
               <a:t>. </a:t>
@@ -4428,7 +4408,7 @@
           <a:p>
             <a:endParaRPr lang="en-IN" dirty="0" smtClean="0">
               <a:solidFill>
-                <a:srgbClr val="00B050"/>
+                <a:srgbClr val="FF0000"/>
               </a:solidFill>
             </a:endParaRPr>
           </a:p>
@@ -4584,6 +4564,7 @@
           <a:bodyPr/>
           <a:lstStyle/>
           <a:p>
+            <a:pPr algn="ctr"/>
             <a:r>
               <a:rPr lang="en-IN" dirty="0" smtClean="0"/>
               <a:t>Highlights of Royal </a:t>
@@ -4658,7 +4639,12 @@
             <p:ph sz="half" idx="2"/>
           </p:nvPr>
         </p:nvSpPr>
-        <p:spPr/>
+        <p:spPr>
+          <a:xfrm>
+            <a:off x="916446" y="2543704"/>
+            <a:ext cx="3082505" cy="581316"/>
+          </a:xfrm>
+        </p:spPr>
         <p:txBody>
           <a:bodyPr/>
           <a:lstStyle/>
@@ -4840,7 +4826,7 @@
         </p:nvSpPr>
         <p:spPr>
           <a:xfrm>
-            <a:off x="862148" y="3228945"/>
+            <a:off x="839788" y="3187635"/>
             <a:ext cx="3304903" cy="400110"/>
           </a:xfrm>
           <a:prstGeom prst="rect">
@@ -5071,7 +5057,7 @@
         <p:spPr>
           <a:xfrm>
             <a:off x="444137" y="91440"/>
-            <a:ext cx="8699863" cy="1292662"/>
+            <a:ext cx="10123714" cy="1292662"/>
           </a:xfrm>
           <a:prstGeom prst="rect">
             <a:avLst/>
@@ -5116,6 +5102,7 @@
             </a:endParaRPr>
           </a:p>
           <a:p>
+            <a:pPr algn="ctr"/>
             <a:r>
               <a:rPr lang="en-US" b="1" dirty="0" smtClean="0">
                 <a:solidFill>
@@ -5145,8 +5132,8 @@
         </p:nvSpPr>
         <p:spPr>
           <a:xfrm>
-            <a:off x="3722914" y="1384102"/>
-            <a:ext cx="2952206" cy="980275"/>
+            <a:off x="4140925" y="1447863"/>
+            <a:ext cx="2965269" cy="980275"/>
           </a:xfrm>
           <a:prstGeom prst="ellipse">
             <a:avLst/>
@@ -5196,14 +5183,14 @@
           <p:nvPr>
             <p:extLst>
               <p:ext uri="{D42A27DB-BD31-4B8C-83A1-F6EECF244321}">
-                <p14:modId xmlns:p14="http://schemas.microsoft.com/office/powerpoint/2010/main" val="3491039865"/>
+                <p14:modId xmlns:p14="http://schemas.microsoft.com/office/powerpoint/2010/main" val="4227854218"/>
               </p:ext>
             </p:extLst>
           </p:nvPr>
         </p:nvGraphicFramePr>
         <p:xfrm>
-          <a:off x="888274" y="2481944"/>
-          <a:ext cx="10215155" cy="4101737"/>
+          <a:off x="653144" y="2491900"/>
+          <a:ext cx="10607040" cy="3835418"/>
         </p:xfrm>
         <a:graphic>
           <a:graphicData uri="http://schemas.openxmlformats.org/drawingml/2006/table">
@@ -5212,35 +5199,35 @@
                 <a:tableStyleId>{5C22544A-7EE6-4342-B048-85BDC9FD1C3A}</a:tableStyleId>
               </a:tblPr>
               <a:tblGrid>
-                <a:gridCol w="2043031">
+                <a:gridCol w="2121408">
                   <a:extLst>
                     <a:ext uri="{9D8B030D-6E8A-4147-A177-3AD203B41FA5}">
                       <a16:colId xmlns:a16="http://schemas.microsoft.com/office/drawing/2014/main" val="43246669"/>
                     </a:ext>
                   </a:extLst>
                 </a:gridCol>
-                <a:gridCol w="2043031">
+                <a:gridCol w="2121408">
                   <a:extLst>
                     <a:ext uri="{9D8B030D-6E8A-4147-A177-3AD203B41FA5}">
                       <a16:colId xmlns:a16="http://schemas.microsoft.com/office/drawing/2014/main" val="2567206997"/>
                     </a:ext>
                   </a:extLst>
                 </a:gridCol>
-                <a:gridCol w="2043031">
+                <a:gridCol w="2121408">
                   <a:extLst>
                     <a:ext uri="{9D8B030D-6E8A-4147-A177-3AD203B41FA5}">
                       <a16:colId xmlns:a16="http://schemas.microsoft.com/office/drawing/2014/main" val="1538638166"/>
                     </a:ext>
                   </a:extLst>
                 </a:gridCol>
-                <a:gridCol w="2043031">
+                <a:gridCol w="2121408">
                   <a:extLst>
                     <a:ext uri="{9D8B030D-6E8A-4147-A177-3AD203B41FA5}">
                       <a16:colId xmlns:a16="http://schemas.microsoft.com/office/drawing/2014/main" val="3829241044"/>
                     </a:ext>
                   </a:extLst>
                 </a:gridCol>
-                <a:gridCol w="2043031">
+                <a:gridCol w="2121408">
                   <a:extLst>
                     <a:ext uri="{9D8B030D-6E8A-4147-A177-3AD203B41FA5}">
                       <a16:colId xmlns:a16="http://schemas.microsoft.com/office/drawing/2014/main" val="3005289330"/>
@@ -5248,7 +5235,7 @@
                   </a:extLst>
                 </a:gridCol>
               </a:tblGrid>
-              <a:tr h="485698">
+              <a:tr h="445288">
                 <a:tc>
                   <a:txBody>
                     <a:bodyPr/>
@@ -5337,7 +5324,7 @@
                   </a:ext>
                 </a:extLst>
               </a:tr>
-              <a:tr h="915638">
+              <a:tr h="839458">
                 <a:tc>
                   <a:txBody>
                     <a:bodyPr/>
@@ -5429,7 +5416,7 @@
                   </a:ext>
                 </a:extLst>
               </a:tr>
-              <a:tr h="869125">
+              <a:tr h="796814">
                 <a:tc>
                   <a:txBody>
                     <a:bodyPr/>
@@ -5524,7 +5511,7 @@
                   </a:ext>
                 </a:extLst>
               </a:tr>
-              <a:tr h="915638">
+              <a:tr h="839458">
                 <a:tc>
                   <a:txBody>
                     <a:bodyPr/>
@@ -5615,7 +5602,7 @@
                   </a:ext>
                 </a:extLst>
               </a:tr>
-              <a:tr h="915638">
+              <a:tr h="911294">
                 <a:tc>
                   <a:txBody>
                     <a:bodyPr/>
@@ -5771,7 +5758,7 @@
         <p:spPr>
           <a:xfrm>
             <a:off x="979714" y="757646"/>
-            <a:ext cx="6191795" cy="369332"/>
+            <a:ext cx="9170126" cy="369332"/>
           </a:xfrm>
           <a:prstGeom prst="rect">
             <a:avLst/>
@@ -5784,6 +5771,7 @@
           </a:bodyPr>
           <a:lstStyle/>
           <a:p>
+            <a:pPr algn="ctr"/>
             <a:r>
               <a:rPr lang="en-IN" b="1" dirty="0" smtClean="0"/>
               <a:t>Positioning : Why will the customer come to Royal Wada </a:t>
@@ -6318,8 +6306,8 @@
         </p:nvSpPr>
         <p:spPr bwMode="auto">
           <a:xfrm rot="10800000" flipV="1">
-            <a:off x="2142308" y="1384223"/>
-            <a:ext cx="5630092" cy="400110"/>
+            <a:off x="2011678" y="1328424"/>
+            <a:ext cx="7184572" cy="400110"/>
           </a:xfrm>
           <a:prstGeom prst="rect">
             <a:avLst/>
@@ -6345,7 +6333,7 @@
           </a:bodyPr>
           <a:lstStyle/>
           <a:p>
-            <a:pPr marL="0" marR="0" lvl="0" indent="0" algn="l" defTabSz="914400" rtl="0" eaLnBrk="0" fontAlgn="base" latinLnBrk="0" hangingPunct="0">
+            <a:pPr marL="0" marR="0" lvl="0" indent="0" algn="ctr" defTabSz="914400" rtl="0" eaLnBrk="0" fontAlgn="base" latinLnBrk="0" hangingPunct="0">
               <a:lnSpc>
                 <a:spcPct val="100000"/>
               </a:lnSpc>
@@ -6460,7 +6448,7 @@
         </p:nvSpPr>
         <p:spPr>
           <a:xfrm>
-            <a:off x="3409404" y="5631540"/>
+            <a:off x="3894908" y="5603178"/>
             <a:ext cx="7262949" cy="369332"/>
           </a:xfrm>
           <a:prstGeom prst="rect">
